--- a/document/S5-12 팀장 윤일권 팀원 강용민, 한윤서.pptx
+++ b/document/S5-12 팀장 윤일권 팀원 강용민, 한윤서.pptx
@@ -5,7 +5,7 @@
     <p:sldMasterId id="2147483648" r:id="rId1"/>
   </p:sldMasterIdLst>
   <p:notesMasterIdLst>
-    <p:notesMasterId r:id="rId18"/>
+    <p:notesMasterId r:id="rId17"/>
   </p:notesMasterIdLst>
   <p:sldIdLst>
     <p:sldId id="256" r:id="rId2"/>
@@ -17,13 +17,12 @@
     <p:sldId id="265" r:id="rId8"/>
     <p:sldId id="281" r:id="rId9"/>
     <p:sldId id="259" r:id="rId10"/>
-    <p:sldId id="280" r:id="rId11"/>
-    <p:sldId id="268" r:id="rId12"/>
-    <p:sldId id="269" r:id="rId13"/>
-    <p:sldId id="263" r:id="rId14"/>
-    <p:sldId id="279" r:id="rId15"/>
-    <p:sldId id="260" r:id="rId16"/>
-    <p:sldId id="277" r:id="rId17"/>
+    <p:sldId id="268" r:id="rId11"/>
+    <p:sldId id="269" r:id="rId12"/>
+    <p:sldId id="263" r:id="rId13"/>
+    <p:sldId id="279" r:id="rId14"/>
+    <p:sldId id="260" r:id="rId15"/>
+    <p:sldId id="277" r:id="rId16"/>
   </p:sldIdLst>
   <p:sldSz cx="18288000" cy="10287000"/>
   <p:notesSz cx="10287000" cy="18288000"/>
@@ -223,7 +222,7 @@
           <a:p>
             <a:fld id="{53588A84-0915-4D7C-AA11-6D9A2F6A88B0}" type="datetimeFigureOut">
               <a:rPr lang="ko-KR" altLang="en-US" smtClean="0"/>
-              <a:t>2021-12-30</a:t>
+              <a:t>2022-01-03</a:t>
             </a:fld>
             <a:endParaRPr lang="ko-KR" altLang="en-US"/>
           </a:p>
@@ -490,90 +489,6 @@
 </p:notesMaster>
 </file>
 
-<file path=ppt/notesSlides/notesSlide1.xml><?xml version="1.0" encoding="utf-8"?>
-<p:notes xmlns:a="http://schemas.openxmlformats.org/drawingml/2006/main" xmlns:r="http://schemas.openxmlformats.org/officeDocument/2006/relationships" xmlns:p="http://schemas.openxmlformats.org/presentationml/2006/main">
-  <p:cSld>
-    <p:spTree>
-      <p:nvGrpSpPr>
-        <p:cNvPr id="1" name=""/>
-        <p:cNvGrpSpPr/>
-        <p:nvPr/>
-      </p:nvGrpSpPr>
-      <p:grpSpPr>
-        <a:xfrm>
-          <a:off x="0" y="0"/>
-          <a:ext cx="0" cy="0"/>
-          <a:chOff x="0" y="0"/>
-          <a:chExt cx="0" cy="0"/>
-        </a:xfrm>
-      </p:grpSpPr>
-      <p:sp>
-        <p:nvSpPr>
-          <p:cNvPr id="2" name="슬라이드 이미지 개체 틀 1"/>
-          <p:cNvSpPr>
-            <a:spLocks noGrp="1" noRot="1" noChangeAspect="1"/>
-          </p:cNvSpPr>
-          <p:nvPr>
-            <p:ph type="sldImg"/>
-          </p:nvPr>
-        </p:nvSpPr>
-        <p:spPr/>
-      </p:sp>
-      <p:sp>
-        <p:nvSpPr>
-          <p:cNvPr id="3" name="슬라이드 노트 개체 틀 2"/>
-          <p:cNvSpPr>
-            <a:spLocks noGrp="1"/>
-          </p:cNvSpPr>
-          <p:nvPr>
-            <p:ph type="body" idx="1"/>
-          </p:nvPr>
-        </p:nvSpPr>
-        <p:spPr/>
-        <p:txBody>
-          <a:bodyPr/>
-          <a:lstStyle/>
-          <a:p>
-            <a:endParaRPr lang="ko-KR" altLang="en-US" dirty="0"/>
-          </a:p>
-        </p:txBody>
-      </p:sp>
-      <p:sp>
-        <p:nvSpPr>
-          <p:cNvPr id="4" name="슬라이드 번호 개체 틀 3"/>
-          <p:cNvSpPr>
-            <a:spLocks noGrp="1"/>
-          </p:cNvSpPr>
-          <p:nvPr>
-            <p:ph type="sldNum" sz="quarter" idx="5"/>
-          </p:nvPr>
-        </p:nvSpPr>
-        <p:spPr/>
-        <p:txBody>
-          <a:bodyPr/>
-          <a:lstStyle/>
-          <a:p>
-            <a:fld id="{B34E7B64-E79B-4CF4-BA7F-1C5FDC4C1EC1}" type="slidenum">
-              <a:rPr lang="ko-KR" altLang="en-US" smtClean="0"/>
-              <a:t>10</a:t>
-            </a:fld>
-            <a:endParaRPr lang="ko-KR" altLang="en-US"/>
-          </a:p>
-        </p:txBody>
-      </p:sp>
-    </p:spTree>
-    <p:extLst>
-      <p:ext uri="{BB962C8B-B14F-4D97-AF65-F5344CB8AC3E}">
-        <p14:creationId xmlns:p14="http://schemas.microsoft.com/office/powerpoint/2010/main" val="3423361124"/>
-      </p:ext>
-    </p:extLst>
-  </p:cSld>
-  <p:clrMapOvr>
-    <a:masterClrMapping/>
-  </p:clrMapOvr>
-</p:notes>
-</file>
-
 <file path=ppt/slideLayouts/slideLayout1.xml><?xml version="1.0" encoding="utf-8"?>
 <p:sldLayout xmlns:a="http://schemas.openxmlformats.org/drawingml/2006/main" xmlns:r="http://schemas.openxmlformats.org/officeDocument/2006/relationships" xmlns:p="http://schemas.openxmlformats.org/presentationml/2006/main" type="title" preserve="1">
   <p:cSld name="Title Slide">
@@ -753,7 +668,7 @@
           <a:p>
             <a:fld id="{F8166F1F-CE9B-4651-A6AA-CD717754106B}" type="datetimeFigureOut">
               <a:rPr lang="en-US" smtClean="0"/>
-              <a:t>12/30/2021</a:t>
+              <a:t>1/3/2022</a:t>
             </a:fld>
             <a:endParaRPr lang="en-US"/>
           </a:p>
@@ -916,7 +831,7 @@
           <a:p>
             <a:fld id="{A76116CE-C4A3-4A05-B2D7-7C2E9A889C0F}" type="datetimeFigureOut">
               <a:rPr lang="en-US" smtClean="0"/>
-              <a:t>12/30/2021</a:t>
+              <a:t>1/3/2022</a:t>
             </a:fld>
             <a:endParaRPr lang="en-US"/>
           </a:p>
@@ -1089,7 +1004,7 @@
           <a:p>
             <a:fld id="{A76116CE-C4A3-4A05-B2D7-7C2E9A889C0F}" type="datetimeFigureOut">
               <a:rPr lang="en-US" smtClean="0"/>
-              <a:t>12/30/2021</a:t>
+              <a:t>1/3/2022</a:t>
             </a:fld>
             <a:endParaRPr lang="en-US"/>
           </a:p>
@@ -1254,7 +1169,7 @@
           <a:p>
             <a:fld id="{A76116CE-C4A3-4A05-B2D7-7C2E9A889C0F}" type="datetimeFigureOut">
               <a:rPr lang="en-US" smtClean="0"/>
-              <a:t>12/30/2021</a:t>
+              <a:t>1/3/2022</a:t>
             </a:fld>
             <a:endParaRPr lang="en-US"/>
           </a:p>
@@ -1494,7 +1409,7 @@
           <a:p>
             <a:fld id="{A76116CE-C4A3-4A05-B2D7-7C2E9A889C0F}" type="datetimeFigureOut">
               <a:rPr lang="en-US" smtClean="0"/>
-              <a:t>12/30/2021</a:t>
+              <a:t>1/3/2022</a:t>
             </a:fld>
             <a:endParaRPr lang="en-US"/>
           </a:p>
@@ -1774,7 +1689,7 @@
           <a:p>
             <a:fld id="{A76116CE-C4A3-4A05-B2D7-7C2E9A889C0F}" type="datetimeFigureOut">
               <a:rPr lang="en-US" smtClean="0"/>
-              <a:t>12/30/2021</a:t>
+              <a:t>1/3/2022</a:t>
             </a:fld>
             <a:endParaRPr lang="en-US"/>
           </a:p>
@@ -2188,7 +2103,7 @@
           <a:p>
             <a:fld id="{A76116CE-C4A3-4A05-B2D7-7C2E9A889C0F}" type="datetimeFigureOut">
               <a:rPr lang="en-US" smtClean="0"/>
-              <a:t>12/30/2021</a:t>
+              <a:t>1/3/2022</a:t>
             </a:fld>
             <a:endParaRPr lang="en-US"/>
           </a:p>
@@ -2300,7 +2215,7 @@
           <a:p>
             <a:fld id="{A76116CE-C4A3-4A05-B2D7-7C2E9A889C0F}" type="datetimeFigureOut">
               <a:rPr lang="en-US" smtClean="0"/>
-              <a:t>12/30/2021</a:t>
+              <a:t>1/3/2022</a:t>
             </a:fld>
             <a:endParaRPr lang="en-US"/>
           </a:p>
@@ -2390,7 +2305,7 @@
           <a:p>
             <a:fld id="{A76116CE-C4A3-4A05-B2D7-7C2E9A889C0F}" type="datetimeFigureOut">
               <a:rPr lang="en-US" smtClean="0"/>
-              <a:t>12/30/2021</a:t>
+              <a:t>1/3/2022</a:t>
             </a:fld>
             <a:endParaRPr lang="en-US"/>
           </a:p>
@@ -2660,7 +2575,7 @@
           <a:p>
             <a:fld id="{A76116CE-C4A3-4A05-B2D7-7C2E9A889C0F}" type="datetimeFigureOut">
               <a:rPr lang="en-US" smtClean="0"/>
-              <a:t>12/30/2021</a:t>
+              <a:t>1/3/2022</a:t>
             </a:fld>
             <a:endParaRPr lang="en-US"/>
           </a:p>
@@ -2907,7 +2822,7 @@
           <a:p>
             <a:fld id="{A76116CE-C4A3-4A05-B2D7-7C2E9A889C0F}" type="datetimeFigureOut">
               <a:rPr lang="en-US" smtClean="0"/>
-              <a:t>12/30/2021</a:t>
+              <a:t>1/3/2022</a:t>
             </a:fld>
             <a:endParaRPr lang="en-US"/>
           </a:p>
@@ -3113,7 +3028,7 @@
           <a:p>
             <a:fld id="{F8166F1F-CE9B-4651-A6AA-CD717754106B}" type="datetimeFigureOut">
               <a:rPr lang="en-US" smtClean="0"/>
-              <a:t>12/30/2021</a:t>
+              <a:t>1/3/2022</a:t>
             </a:fld>
             <a:endParaRPr lang="en-US"/>
           </a:p>
@@ -3820,514 +3735,6 @@
 
 <file path=ppt/slides/slide10.xml><?xml version="1.0" encoding="utf-8"?>
 <p:sld xmlns:a="http://schemas.openxmlformats.org/drawingml/2006/main" xmlns:r="http://schemas.openxmlformats.org/officeDocument/2006/relationships" xmlns:p="http://schemas.openxmlformats.org/presentationml/2006/main">
-  <p:cSld>
-    <p:spTree>
-      <p:nvGrpSpPr>
-        <p:cNvPr id="1" name=""/>
-        <p:cNvGrpSpPr/>
-        <p:nvPr/>
-      </p:nvGrpSpPr>
-      <p:grpSpPr>
-        <a:xfrm>
-          <a:off x="0" y="0"/>
-          <a:ext cx="0" cy="0"/>
-          <a:chOff x="0" y="0"/>
-          <a:chExt cx="0" cy="0"/>
-        </a:xfrm>
-      </p:grpSpPr>
-      <p:grpSp>
-        <p:nvGrpSpPr>
-          <p:cNvPr id="1002" name="그룹 1002"/>
-          <p:cNvGrpSpPr/>
-          <p:nvPr/>
-        </p:nvGrpSpPr>
-        <p:grpSpPr>
-          <a:xfrm>
-            <a:off x="1148352" y="469609"/>
-            <a:ext cx="15989011" cy="9346497"/>
-            <a:chOff x="1148352" y="469609"/>
-            <a:chExt cx="15989011" cy="9346497"/>
-          </a:xfrm>
-        </p:grpSpPr>
-        <p:pic>
-          <p:nvPicPr>
-            <p:cNvPr id="6" name="Object 5"/>
-            <p:cNvPicPr>
-              <a:picLocks noChangeAspect="1"/>
-            </p:cNvPicPr>
-            <p:nvPr/>
-          </p:nvPicPr>
-          <p:blipFill>
-            <a:blip r:embed="rId3" cstate="print"/>
-            <a:stretch>
-              <a:fillRect/>
-            </a:stretch>
-          </p:blipFill>
-          <p:spPr>
-            <a:xfrm>
-              <a:off x="1148352" y="469609"/>
-              <a:ext cx="15989011" cy="9346497"/>
-            </a:xfrm>
-            <a:prstGeom prst="rect">
-              <a:avLst/>
-            </a:prstGeom>
-          </p:spPr>
-        </p:pic>
-      </p:grpSp>
-      <p:pic>
-        <p:nvPicPr>
-          <p:cNvPr id="8" name="Object 7"/>
-          <p:cNvPicPr>
-            <a:picLocks noChangeAspect="1"/>
-          </p:cNvPicPr>
-          <p:nvPr/>
-        </p:nvPicPr>
-        <p:blipFill>
-          <a:blip r:embed="rId4" cstate="print"/>
-          <a:stretch>
-            <a:fillRect/>
-          </a:stretch>
-        </p:blipFill>
-        <p:spPr>
-          <a:xfrm>
-            <a:off x="3877194" y="647700"/>
-            <a:ext cx="8069386" cy="2031695"/>
-          </a:xfrm>
-          <a:prstGeom prst="rect">
-            <a:avLst/>
-          </a:prstGeom>
-        </p:spPr>
-      </p:pic>
-      <p:grpSp>
-        <p:nvGrpSpPr>
-          <p:cNvPr id="24" name="그룹 23">
-            <a:extLst>
-              <a:ext uri="{FF2B5EF4-FFF2-40B4-BE49-F238E27FC236}">
-                <a16:creationId xmlns:a16="http://schemas.microsoft.com/office/drawing/2014/main" id="{BB2E7ADB-E6A6-443F-9AC5-3628BB682E06}"/>
-              </a:ext>
-            </a:extLst>
-          </p:cNvPr>
-          <p:cNvGrpSpPr/>
-          <p:nvPr/>
-        </p:nvGrpSpPr>
-        <p:grpSpPr>
-          <a:xfrm>
-            <a:off x="2615872" y="2247900"/>
-            <a:ext cx="13134622" cy="5557127"/>
-            <a:chOff x="653012" y="315872"/>
-            <a:chExt cx="10051321" cy="6226253"/>
-          </a:xfrm>
-        </p:grpSpPr>
-        <p:pic>
-          <p:nvPicPr>
-            <p:cNvPr id="26" name="그림 25">
-              <a:extLst>
-                <a:ext uri="{FF2B5EF4-FFF2-40B4-BE49-F238E27FC236}">
-                  <a16:creationId xmlns:a16="http://schemas.microsoft.com/office/drawing/2014/main" id="{345C2C76-FF11-4D8B-8E55-799B5AD9D13E}"/>
-                </a:ext>
-              </a:extLst>
-            </p:cNvPr>
-            <p:cNvPicPr>
-              <a:picLocks noChangeAspect="1"/>
-            </p:cNvPicPr>
-            <p:nvPr/>
-          </p:nvPicPr>
-          <p:blipFill>
-            <a:blip r:embed="rId5">
-              <a:extLst>
-                <a:ext uri="{28A0092B-C50C-407E-A947-70E740481C1C}">
-                  <a14:useLocalDpi xmlns:a14="http://schemas.microsoft.com/office/drawing/2010/main" val="0"/>
-                </a:ext>
-              </a:extLst>
-            </a:blip>
-            <a:stretch>
-              <a:fillRect/>
-            </a:stretch>
-          </p:blipFill>
-          <p:spPr>
-            <a:xfrm rot="5400000">
-              <a:off x="-524188" y="1493072"/>
-              <a:ext cx="6226253" cy="3871853"/>
-            </a:xfrm>
-            <a:prstGeom prst="rect">
-              <a:avLst/>
-            </a:prstGeom>
-          </p:spPr>
-        </p:pic>
-        <p:pic>
-          <p:nvPicPr>
-            <p:cNvPr id="32" name="그림 31" descr="축구이(가) 표시된 사진&#10;&#10;자동 생성된 설명">
-              <a:extLst>
-                <a:ext uri="{FF2B5EF4-FFF2-40B4-BE49-F238E27FC236}">
-                  <a16:creationId xmlns:a16="http://schemas.microsoft.com/office/drawing/2014/main" id="{70CAFD4D-C379-486D-9A69-C150F0D93ED0}"/>
-                </a:ext>
-              </a:extLst>
-            </p:cNvPr>
-            <p:cNvPicPr>
-              <a:picLocks noChangeAspect="1"/>
-            </p:cNvPicPr>
-            <p:nvPr/>
-          </p:nvPicPr>
-          <p:blipFill>
-            <a:blip r:embed="rId6" cstate="print">
-              <a:extLst>
-                <a:ext uri="{28A0092B-C50C-407E-A947-70E740481C1C}">
-                  <a14:useLocalDpi xmlns:a14="http://schemas.microsoft.com/office/drawing/2010/main" val="0"/>
-                </a:ext>
-              </a:extLst>
-            </a:blip>
-            <a:stretch>
-              <a:fillRect/>
-            </a:stretch>
-          </p:blipFill>
-          <p:spPr>
-            <a:xfrm>
-              <a:off x="5416534" y="1174428"/>
-              <a:ext cx="1531120" cy="1577150"/>
-            </a:xfrm>
-            <a:prstGeom prst="rect">
-              <a:avLst/>
-            </a:prstGeom>
-          </p:spPr>
-        </p:pic>
-        <p:pic>
-          <p:nvPicPr>
-            <p:cNvPr id="33" name="그림 32">
-              <a:extLst>
-                <a:ext uri="{FF2B5EF4-FFF2-40B4-BE49-F238E27FC236}">
-                  <a16:creationId xmlns:a16="http://schemas.microsoft.com/office/drawing/2014/main" id="{DE23BA19-B9B0-4AAF-84B1-03257BE2FACF}"/>
-                </a:ext>
-              </a:extLst>
-            </p:cNvPr>
-            <p:cNvPicPr>
-              <a:picLocks noChangeAspect="1"/>
-            </p:cNvPicPr>
-            <p:nvPr/>
-          </p:nvPicPr>
-          <p:blipFill>
-            <a:blip r:embed="rId7" cstate="print">
-              <a:extLst>
-                <a:ext uri="{28A0092B-C50C-407E-A947-70E740481C1C}">
-                  <a14:useLocalDpi xmlns:a14="http://schemas.microsoft.com/office/drawing/2010/main" val="0"/>
-                </a:ext>
-              </a:extLst>
-            </a:blip>
-            <a:stretch>
-              <a:fillRect/>
-            </a:stretch>
-          </p:blipFill>
-          <p:spPr>
-            <a:xfrm>
-              <a:off x="7667137" y="315872"/>
-              <a:ext cx="3037196" cy="6226253"/>
-            </a:xfrm>
-            <a:prstGeom prst="rect">
-              <a:avLst/>
-            </a:prstGeom>
-          </p:spPr>
-        </p:pic>
-        <p:pic>
-          <p:nvPicPr>
-            <p:cNvPr id="34" name="그림 33" descr="운동경기, 스포츠, 테니스, 얇게썬이(가) 표시된 사진&#10;&#10;자동 생성된 설명">
-              <a:extLst>
-                <a:ext uri="{FF2B5EF4-FFF2-40B4-BE49-F238E27FC236}">
-                  <a16:creationId xmlns:a16="http://schemas.microsoft.com/office/drawing/2014/main" id="{4F94C5D8-60B7-4D2A-B9B0-FA959AD1ACF6}"/>
-                </a:ext>
-              </a:extLst>
-            </p:cNvPr>
-            <p:cNvPicPr>
-              <a:picLocks noChangeAspect="1"/>
-            </p:cNvPicPr>
-            <p:nvPr/>
-          </p:nvPicPr>
-          <p:blipFill>
-            <a:blip r:embed="rId8" cstate="print">
-              <a:extLst>
-                <a:ext uri="{28A0092B-C50C-407E-A947-70E740481C1C}">
-                  <a14:useLocalDpi xmlns:a14="http://schemas.microsoft.com/office/drawing/2010/main" val="0"/>
-                </a:ext>
-              </a:extLst>
-            </a:blip>
-            <a:stretch>
-              <a:fillRect/>
-            </a:stretch>
-          </p:blipFill>
-          <p:spPr>
-            <a:xfrm>
-              <a:off x="5460820" y="4106423"/>
-              <a:ext cx="1486834" cy="1492641"/>
-            </a:xfrm>
-            <a:prstGeom prst="rect">
-              <a:avLst/>
-            </a:prstGeom>
-          </p:spPr>
-        </p:pic>
-        <p:cxnSp>
-          <p:nvCxnSpPr>
-            <p:cNvPr id="35" name="직선 화살표 연결선 34">
-              <a:extLst>
-                <a:ext uri="{FF2B5EF4-FFF2-40B4-BE49-F238E27FC236}">
-                  <a16:creationId xmlns:a16="http://schemas.microsoft.com/office/drawing/2014/main" id="{0F4EA5C4-799C-430E-BDC4-FD35AF5626DE}"/>
-                </a:ext>
-              </a:extLst>
-            </p:cNvPr>
-            <p:cNvCxnSpPr>
-              <a:cxnSpLocks/>
-            </p:cNvCxnSpPr>
-            <p:nvPr/>
-          </p:nvCxnSpPr>
-          <p:spPr>
-            <a:xfrm>
-              <a:off x="5410474" y="1174428"/>
-              <a:ext cx="0" cy="1577150"/>
-            </a:xfrm>
-            <a:prstGeom prst="straightConnector1">
-              <a:avLst/>
-            </a:prstGeom>
-            <a:ln w="38100">
-              <a:headEnd type="triangle"/>
-              <a:tailEnd type="triangle"/>
-            </a:ln>
-          </p:spPr>
-          <p:style>
-            <a:lnRef idx="1">
-              <a:schemeClr val="dk1"/>
-            </a:lnRef>
-            <a:fillRef idx="0">
-              <a:schemeClr val="dk1"/>
-            </a:fillRef>
-            <a:effectRef idx="0">
-              <a:schemeClr val="dk1"/>
-            </a:effectRef>
-            <a:fontRef idx="minor">
-              <a:schemeClr val="tx1"/>
-            </a:fontRef>
-          </p:style>
-        </p:cxnSp>
-        <p:sp>
-          <p:nvSpPr>
-            <p:cNvPr id="36" name="TextBox 35">
-              <a:extLst>
-                <a:ext uri="{FF2B5EF4-FFF2-40B4-BE49-F238E27FC236}">
-                  <a16:creationId xmlns:a16="http://schemas.microsoft.com/office/drawing/2014/main" id="{C66A8CE4-A789-472E-987D-9FDE4DADDE43}"/>
-                </a:ext>
-              </a:extLst>
-            </p:cNvPr>
-            <p:cNvSpPr txBox="1"/>
-            <p:nvPr/>
-          </p:nvSpPr>
-          <p:spPr>
-            <a:xfrm>
-              <a:off x="4615449" y="1809115"/>
-              <a:ext cx="845369" cy="379320"/>
-            </a:xfrm>
-            <a:prstGeom prst="rect">
-              <a:avLst/>
-            </a:prstGeom>
-            <a:noFill/>
-          </p:spPr>
-          <p:txBody>
-            <a:bodyPr wrap="square" rtlCol="0">
-              <a:spAutoFit/>
-            </a:bodyPr>
-            <a:lstStyle/>
-            <a:p>
-              <a:r>
-                <a:rPr lang="en-US" altLang="ko-KR" sz="1400" b="1" dirty="0"/>
-                <a:t>22cm</a:t>
-              </a:r>
-              <a:endParaRPr lang="ko-KR" altLang="en-US" sz="1400" b="1" dirty="0"/>
-            </a:p>
-          </p:txBody>
-        </p:sp>
-        <p:cxnSp>
-          <p:nvCxnSpPr>
-            <p:cNvPr id="37" name="직선 화살표 연결선 36">
-              <a:extLst>
-                <a:ext uri="{FF2B5EF4-FFF2-40B4-BE49-F238E27FC236}">
-                  <a16:creationId xmlns:a16="http://schemas.microsoft.com/office/drawing/2014/main" id="{34537BAD-C6B9-47C0-B446-F5EACB4F44A9}"/>
-                </a:ext>
-              </a:extLst>
-            </p:cNvPr>
-            <p:cNvCxnSpPr>
-              <a:cxnSpLocks/>
-            </p:cNvCxnSpPr>
-            <p:nvPr/>
-          </p:nvCxnSpPr>
-          <p:spPr>
-            <a:xfrm>
-              <a:off x="5410474" y="4100345"/>
-              <a:ext cx="0" cy="1498719"/>
-            </a:xfrm>
-            <a:prstGeom prst="straightConnector1">
-              <a:avLst/>
-            </a:prstGeom>
-            <a:ln w="38100">
-              <a:headEnd type="triangle"/>
-              <a:tailEnd type="triangle"/>
-            </a:ln>
-          </p:spPr>
-          <p:style>
-            <a:lnRef idx="1">
-              <a:schemeClr val="dk1"/>
-            </a:lnRef>
-            <a:fillRef idx="0">
-              <a:schemeClr val="dk1"/>
-            </a:fillRef>
-            <a:effectRef idx="0">
-              <a:schemeClr val="dk1"/>
-            </a:effectRef>
-            <a:fontRef idx="minor">
-              <a:schemeClr val="tx1"/>
-            </a:fontRef>
-          </p:style>
-        </p:cxnSp>
-        <p:sp>
-          <p:nvSpPr>
-            <p:cNvPr id="38" name="TextBox 37">
-              <a:extLst>
-                <a:ext uri="{FF2B5EF4-FFF2-40B4-BE49-F238E27FC236}">
-                  <a16:creationId xmlns:a16="http://schemas.microsoft.com/office/drawing/2014/main" id="{0C0326A1-0847-488F-88E7-35632086A735}"/>
-                </a:ext>
-              </a:extLst>
-            </p:cNvPr>
-            <p:cNvSpPr txBox="1"/>
-            <p:nvPr/>
-          </p:nvSpPr>
-          <p:spPr>
-            <a:xfrm>
-              <a:off x="4570156" y="4660043"/>
-              <a:ext cx="935954" cy="379320"/>
-            </a:xfrm>
-            <a:prstGeom prst="rect">
-              <a:avLst/>
-            </a:prstGeom>
-            <a:noFill/>
-          </p:spPr>
-          <p:txBody>
-            <a:bodyPr wrap="square" rtlCol="0">
-              <a:spAutoFit/>
-            </a:bodyPr>
-            <a:lstStyle/>
-            <a:p>
-              <a:r>
-                <a:rPr lang="en-US" altLang="ko-KR" sz="1400" b="1" dirty="0"/>
-                <a:t>6.7cm</a:t>
-              </a:r>
-              <a:endParaRPr lang="ko-KR" altLang="en-US" sz="1400" b="1" dirty="0"/>
-            </a:p>
-          </p:txBody>
-        </p:sp>
-      </p:grpSp>
-      <p:sp>
-        <p:nvSpPr>
-          <p:cNvPr id="39" name="TextBox 38">
-            <a:extLst>
-              <a:ext uri="{FF2B5EF4-FFF2-40B4-BE49-F238E27FC236}">
-                <a16:creationId xmlns:a16="http://schemas.microsoft.com/office/drawing/2014/main" id="{E0A7AB9F-1C61-467D-AB6F-035BE03EEDFA}"/>
-              </a:ext>
-            </a:extLst>
-          </p:cNvPr>
-          <p:cNvSpPr txBox="1"/>
-          <p:nvPr/>
-        </p:nvSpPr>
-        <p:spPr>
-          <a:xfrm>
-            <a:off x="5601492" y="7993440"/>
-            <a:ext cx="7163383" cy="1569660"/>
-          </a:xfrm>
-          <a:prstGeom prst="rect">
-            <a:avLst/>
-          </a:prstGeom>
-          <a:noFill/>
-        </p:spPr>
-        <p:txBody>
-          <a:bodyPr wrap="square" rtlCol="0">
-            <a:spAutoFit/>
-          </a:bodyPr>
-          <a:lstStyle/>
-          <a:p>
-            <a:pPr algn="ctr"/>
-            <a:r>
-              <a:rPr lang="ko-KR" altLang="en-US" sz="3200" b="1" dirty="0">
-                <a:latin typeface="고딕"/>
-              </a:rPr>
-              <a:t>경기장 크기 대비 공 크기</a:t>
-            </a:r>
-            <a:endParaRPr lang="en-US" altLang="ko-KR" sz="3200" b="1" dirty="0">
-              <a:latin typeface="고딕"/>
-            </a:endParaRPr>
-          </a:p>
-          <a:p>
-            <a:pPr algn="ctr"/>
-            <a:r>
-              <a:rPr lang="ko-KR" altLang="en-US" sz="3200" b="1" dirty="0">
-                <a:latin typeface="고딕"/>
-              </a:rPr>
-              <a:t>축구공</a:t>
-            </a:r>
-            <a:r>
-              <a:rPr lang="en-US" altLang="ko-KR" sz="3200" b="1" dirty="0">
-                <a:latin typeface="고딕"/>
-              </a:rPr>
-              <a:t>(0.00005) &lt; </a:t>
-            </a:r>
-            <a:r>
-              <a:rPr lang="ko-KR" altLang="en-US" sz="3200" b="1" dirty="0">
-                <a:latin typeface="고딕"/>
-              </a:rPr>
-              <a:t>테니스공</a:t>
-            </a:r>
-            <a:r>
-              <a:rPr lang="en-US" altLang="ko-KR" sz="3200" b="1" dirty="0">
-                <a:latin typeface="고딕"/>
-              </a:rPr>
-              <a:t>(0.0013)</a:t>
-            </a:r>
-          </a:p>
-          <a:p>
-            <a:pPr algn="ctr"/>
-            <a:r>
-              <a:rPr lang="ko-KR" altLang="en-US" sz="3200" b="1" dirty="0">
-                <a:latin typeface="고딕"/>
-              </a:rPr>
-              <a:t>크기 비교 시 </a:t>
-            </a:r>
-            <a:r>
-              <a:rPr lang="ko-KR" altLang="en-US" sz="3200" b="1" dirty="0">
-                <a:solidFill>
-                  <a:srgbClr val="FF0000"/>
-                </a:solidFill>
-                <a:latin typeface="고딕"/>
-              </a:rPr>
-              <a:t>테니스공이 현저히 크다</a:t>
-            </a:r>
-            <a:r>
-              <a:rPr lang="en-US" altLang="ko-KR" sz="2000" b="1" dirty="0">
-                <a:solidFill>
-                  <a:srgbClr val="FF0000"/>
-                </a:solidFill>
-              </a:rPr>
-              <a:t>.</a:t>
-            </a:r>
-          </a:p>
-        </p:txBody>
-      </p:sp>
-    </p:spTree>
-    <p:extLst>
-      <p:ext uri="{BB962C8B-B14F-4D97-AF65-F5344CB8AC3E}">
-        <p14:creationId xmlns:p14="http://schemas.microsoft.com/office/powerpoint/2010/main" val="406893174"/>
-      </p:ext>
-    </p:extLst>
-  </p:cSld>
-  <p:clrMapOvr>
-    <a:masterClrMapping/>
-  </p:clrMapOvr>
-</p:sld>
-</file>
-
-<file path=ppt/slides/slide11.xml><?xml version="1.0" encoding="utf-8"?>
-<p:sld xmlns:a="http://schemas.openxmlformats.org/drawingml/2006/main" xmlns:r="http://schemas.openxmlformats.org/officeDocument/2006/relationships" xmlns:p="http://schemas.openxmlformats.org/presentationml/2006/main">
   <p:cSld name="Slide 13">
     <p:bg>
       <p:bgPr>
@@ -4797,7 +4204,7 @@
           <a:p>
             <a:r>
               <a:rPr lang="en-US" altLang="ko-KR" dirty="0"/>
-              <a:t>9</a:t>
+              <a:t>10</a:t>
             </a:r>
             <a:endParaRPr lang="ko-KR" altLang="en-US" dirty="0"/>
           </a:p>
@@ -4811,7 +4218,7 @@
 </p:sld>
 </file>
 
-<file path=ppt/slides/slide12.xml><?xml version="1.0" encoding="utf-8"?>
+<file path=ppt/slides/slide11.xml><?xml version="1.0" encoding="utf-8"?>
 <p:sld xmlns:a="http://schemas.openxmlformats.org/drawingml/2006/main" xmlns:r="http://schemas.openxmlformats.org/officeDocument/2006/relationships" xmlns:p="http://schemas.openxmlformats.org/presentationml/2006/main">
   <p:cSld name="Slide 14">
     <p:bg>
@@ -5282,7 +4689,7 @@
           <a:p>
             <a:r>
               <a:rPr lang="en-US" altLang="ko-KR" dirty="0"/>
-              <a:t>10</a:t>
+              <a:t>11</a:t>
             </a:r>
             <a:endParaRPr lang="ko-KR" altLang="en-US" dirty="0"/>
           </a:p>
@@ -5296,7 +4703,7 @@
 </p:sld>
 </file>
 
-<file path=ppt/slides/slide13.xml><?xml version="1.0" encoding="utf-8"?>
+<file path=ppt/slides/slide12.xml><?xml version="1.0" encoding="utf-8"?>
 <p:sld xmlns:a="http://schemas.openxmlformats.org/drawingml/2006/main" xmlns:r="http://schemas.openxmlformats.org/officeDocument/2006/relationships" xmlns:p="http://schemas.openxmlformats.org/presentationml/2006/main">
   <p:cSld name="Slide 8">
     <p:bg>
@@ -7414,7 +6821,7 @@
           <a:p>
             <a:r>
               <a:rPr lang="en-US" altLang="ko-KR" dirty="0"/>
-              <a:t>11</a:t>
+              <a:t>12</a:t>
             </a:r>
             <a:endParaRPr lang="ko-KR" altLang="en-US" dirty="0"/>
           </a:p>
@@ -7428,7 +6835,7 @@
 </p:sld>
 </file>
 
-<file path=ppt/slides/slide14.xml><?xml version="1.0" encoding="utf-8"?>
+<file path=ppt/slides/slide13.xml><?xml version="1.0" encoding="utf-8"?>
 <p:sld xmlns:a="http://schemas.openxmlformats.org/drawingml/2006/main" xmlns:r="http://schemas.openxmlformats.org/officeDocument/2006/relationships" xmlns:p="http://schemas.openxmlformats.org/presentationml/2006/main">
   <p:cSld>
     <p:spTree>
@@ -7574,7 +6981,7 @@
           <a:p>
             <a:r>
               <a:rPr lang="en-US" altLang="ko-KR" dirty="0"/>
-              <a:t>12</a:t>
+              <a:t>13</a:t>
             </a:r>
             <a:endParaRPr lang="ko-KR" altLang="en-US" dirty="0"/>
           </a:p>
@@ -7588,7 +6995,7 @@
 </p:sld>
 </file>
 
-<file path=ppt/slides/slide15.xml><?xml version="1.0" encoding="utf-8"?>
+<file path=ppt/slides/slide14.xml><?xml version="1.0" encoding="utf-8"?>
 <p:sld xmlns:a="http://schemas.openxmlformats.org/drawingml/2006/main" xmlns:r="http://schemas.openxmlformats.org/officeDocument/2006/relationships" xmlns:p="http://schemas.openxmlformats.org/presentationml/2006/main">
   <p:cSld name="Slide 5">
     <p:bg>
@@ -8084,7 +7491,7 @@
           <a:p>
             <a:r>
               <a:rPr lang="en-US" altLang="ko-KR" dirty="0"/>
-              <a:t>13</a:t>
+              <a:t>14</a:t>
             </a:r>
             <a:endParaRPr lang="ko-KR" altLang="en-US" dirty="0"/>
           </a:p>
@@ -8098,7 +7505,7 @@
 </p:sld>
 </file>
 
-<file path=ppt/slides/slide16.xml><?xml version="1.0" encoding="utf-8"?>
+<file path=ppt/slides/slide15.xml><?xml version="1.0" encoding="utf-8"?>
 <p:sld xmlns:a="http://schemas.openxmlformats.org/drawingml/2006/main" xmlns:r="http://schemas.openxmlformats.org/officeDocument/2006/relationships" xmlns:p="http://schemas.openxmlformats.org/presentationml/2006/main">
   <p:cSld name="Slide 22">
     <p:bg>
@@ -8500,8 +7907,8 @@
           <a:lstStyle/>
           <a:p>
             <a:r>
-              <a:rPr lang="en-US" altLang="ko-KR" dirty="0"/>
-              <a:t>14</a:t>
+              <a:rPr lang="en-US" altLang="ko-KR"/>
+              <a:t>15</a:t>
             </a:r>
             <a:endParaRPr lang="ko-KR" altLang="en-US" dirty="0"/>
           </a:p>
@@ -13537,6 +12944,42 @@
           </a:prstGeom>
         </p:spPr>
       </p:pic>
+      <p:sp>
+        <p:nvSpPr>
+          <p:cNvPr id="23" name="TextBox 22">
+            <a:extLst>
+              <a:ext uri="{FF2B5EF4-FFF2-40B4-BE49-F238E27FC236}">
+                <a16:creationId xmlns:a16="http://schemas.microsoft.com/office/drawing/2014/main" id="{D14C9D82-CC1B-4DA1-9030-1CE8411D956E}"/>
+              </a:ext>
+            </a:extLst>
+          </p:cNvPr>
+          <p:cNvSpPr txBox="1"/>
+          <p:nvPr/>
+        </p:nvSpPr>
+        <p:spPr>
+          <a:xfrm>
+            <a:off x="8991600" y="9917668"/>
+            <a:ext cx="762000" cy="369332"/>
+          </a:xfrm>
+          <a:prstGeom prst="rect">
+            <a:avLst/>
+          </a:prstGeom>
+          <a:noFill/>
+        </p:spPr>
+        <p:txBody>
+          <a:bodyPr wrap="square" rtlCol="0">
+            <a:spAutoFit/>
+          </a:bodyPr>
+          <a:lstStyle/>
+          <a:p>
+            <a:r>
+              <a:rPr lang="en-US" altLang="ko-KR" dirty="0"/>
+              <a:t>8</a:t>
+            </a:r>
+            <a:endParaRPr lang="ko-KR" altLang="en-US" dirty="0"/>
+          </a:p>
+        </p:txBody>
+      </p:sp>
     </p:spTree>
   </p:cSld>
   <p:clrMapOvr>
@@ -14053,7 +13496,7 @@
           <a:p>
             <a:r>
               <a:rPr lang="en-US" altLang="ko-KR" dirty="0"/>
-              <a:t>8</a:t>
+              <a:t>9</a:t>
             </a:r>
             <a:endParaRPr lang="ko-KR" altLang="en-US" dirty="0"/>
           </a:p>
